--- a/hw7/숙제7_2022184015_김해님.pptx
+++ b/hw7/숙제7_2022184015_김해님.pptx
@@ -277,7 +277,7 @@
               <a:pPr>
                 <a:defRPr/>
               </a:pPr>
-              <a:t>2025-04-19</a:t>
+              <a:t>2025-04-21</a:t>
             </a:fld>
             <a:endParaRPr lang="ko-KR" altLang="en-US"/>
           </a:p>
@@ -10269,6 +10269,49 @@
           </a:prstGeom>
         </p:spPr>
       </p:pic>
+      <p:pic>
+        <p:nvPicPr>
+          <p:cNvPr id="7" name="그림 6">
+            <a:extLst>
+              <a:ext uri="{FF2B5EF4-FFF2-40B4-BE49-F238E27FC236}">
+                <a16:creationId xmlns:a16="http://schemas.microsoft.com/office/drawing/2014/main" id="{AD0F59D2-BCE8-9716-2AEC-D1AA15EC2AA9}"/>
+              </a:ext>
+            </a:extLst>
+          </p:cNvPr>
+          <p:cNvPicPr>
+            <a:picLocks noChangeAspect="1"/>
+          </p:cNvPicPr>
+          <p:nvPr/>
+        </p:nvPicPr>
+        <p:blipFill>
+          <a:blip r:embed="rId4"/>
+          <a:stretch>
+            <a:fillRect/>
+          </a:stretch>
+        </p:blipFill>
+        <p:spPr>
+          <a:xfrm>
+            <a:off x="1377967" y="1403237"/>
+            <a:ext cx="6388065" cy="4857590"/>
+          </a:xfrm>
+          <a:prstGeom prst="rect">
+            <a:avLst/>
+          </a:prstGeom>
+          <a:ln w="127000" cap="sq">
+            <a:solidFill>
+              <a:schemeClr val="accent1"/>
+            </a:solidFill>
+            <a:miter lim="800000"/>
+          </a:ln>
+          <a:effectLst>
+            <a:outerShdw blurRad="57150" dist="50800" dir="2700000" algn="tl" rotWithShape="0">
+              <a:srgbClr val="000000">
+                <a:alpha val="40000"/>
+              </a:srgbClr>
+            </a:outerShdw>
+          </a:effectLst>
+        </p:spPr>
+      </p:pic>
     </p:spTree>
     <p:extLst>
       <p:ext uri="{BB962C8B-B14F-4D97-AF65-F5344CB8AC3E}">
@@ -10791,6 +10834,49 @@
           <a:prstGeom prst="rect">
             <a:avLst/>
           </a:prstGeom>
+        </p:spPr>
+      </p:pic>
+      <p:pic>
+        <p:nvPicPr>
+          <p:cNvPr id="7" name="그림 6">
+            <a:extLst>
+              <a:ext uri="{FF2B5EF4-FFF2-40B4-BE49-F238E27FC236}">
+                <a16:creationId xmlns:a16="http://schemas.microsoft.com/office/drawing/2014/main" id="{558A4998-8A2E-0166-A4F6-CDFBF85065E3}"/>
+              </a:ext>
+            </a:extLst>
+          </p:cNvPr>
+          <p:cNvPicPr>
+            <a:picLocks noChangeAspect="1"/>
+          </p:cNvPicPr>
+          <p:nvPr/>
+        </p:nvPicPr>
+        <p:blipFill>
+          <a:blip r:embed="rId4"/>
+          <a:stretch>
+            <a:fillRect/>
+          </a:stretch>
+        </p:blipFill>
+        <p:spPr>
+          <a:xfrm>
+            <a:off x="732158" y="1243782"/>
+            <a:ext cx="7679683" cy="5112568"/>
+          </a:xfrm>
+          <a:prstGeom prst="rect">
+            <a:avLst/>
+          </a:prstGeom>
+          <a:ln w="127000" cap="sq">
+            <a:solidFill>
+              <a:schemeClr val="accent1"/>
+            </a:solidFill>
+            <a:miter lim="800000"/>
+          </a:ln>
+          <a:effectLst>
+            <a:outerShdw blurRad="57150" dist="50800" dir="2700000" algn="tl" rotWithShape="0">
+              <a:srgbClr val="000000">
+                <a:alpha val="40000"/>
+              </a:srgbClr>
+            </a:outerShdw>
+          </a:effectLst>
         </p:spPr>
       </p:pic>
     </p:spTree>
